--- a/old/lesson_94_python.pptx
+++ b/old/lesson_94_python.pptx
@@ -1984,7 +1984,7 @@
             </a:r>
             <a:r>
               <a:rPr b="0"/>
-              <a:t>AP CS A</a:t>
+              <a:t>Python</a:t>
             </a:r>
             <a:r>
               <a:rPr b="0"/>

--- a/old/lesson_94_python.pptx
+++ b/old/lesson_94_python.pptx
@@ -1998,7 +1998,7 @@
             </a:r>
             <a:r>
               <a:rPr b="0"/>
-              <a:t>HDW use variables and user input to customize our programs?</a:t>
+              <a:t>HDW use variables and user input to customize our programs?/Kahoot</a:t>
             </a:r>
           </a:p>
         </p:txBody>
@@ -2046,7 +2046,7 @@
           <a:p>
             <a:pPr/>
             <a:r>
-              <a:t>Dr. O’Brien, 11/18/21</a:t>
+              <a:t>Dr. O’Brien, 11/19/21</a:t>
             </a:r>
           </a:p>
         </p:txBody>
@@ -6100,7 +6100,7 @@
               </a:defRPr>
             </a:pPr>
             <a:r>
-              <a:t>Lesson 9.4</a:t>
+              <a:t>Lesson 9.5</a:t>
             </a:r>
           </a:p>
         </p:txBody>
@@ -6155,7 +6155,7 @@
               <a:defRPr sz="1600"/>
             </a:pPr>
             <a:r>
-              <a:t>Nov. 18</a:t>
+              <a:t>Nov. 19</a:t>
             </a:r>
             <a:r>
               <a:t>, 2021</a:t>
